--- a/stuff/Autobazar-SemestralProject.pptx
+++ b/stuff/Autobazar-SemestralProject.pptx
@@ -7,6 +7,9 @@
   <p:sldIdLst>
     <p:sldId id="256" r:id="rId2"/>
     <p:sldId id="257" r:id="rId3"/>
+    <p:sldId id="258" r:id="rId4"/>
+    <p:sldId id="259" r:id="rId5"/>
+    <p:sldId id="260" r:id="rId6"/>
   </p:sldIdLst>
   <p:sldSz cx="12192000" cy="6858000"/>
   <p:notesSz cx="6858000" cy="9144000"/>
@@ -105,6 +108,11 @@
       </a:defRPr>
     </a:lvl9pPr>
   </p:defaultTextStyle>
+  <p:extLst>
+    <p:ext uri="{EFAFB233-063F-42B5-8137-9DF3F51BA10A}">
+      <p15:sldGuideLst xmlns:p15="http://schemas.microsoft.com/office/powerpoint/2012/main"/>
+    </p:ext>
+  </p:extLst>
 </p:presentation>
 </file>
 
@@ -257,7 +265,7 @@
           <a:p>
             <a:fld id="{C58B7900-448D-4892-8253-2C7CAA4E2A3E}" type="datetimeFigureOut">
               <a:rPr lang="en-GB" smtClean="0"/>
-              <a:t>23/05/2022</a:t>
+              <a:t>24/05/2022</a:t>
             </a:fld>
             <a:endParaRPr lang="en-GB"/>
           </a:p>
@@ -457,7 +465,7 @@
           <a:p>
             <a:fld id="{C58B7900-448D-4892-8253-2C7CAA4E2A3E}" type="datetimeFigureOut">
               <a:rPr lang="en-GB" smtClean="0"/>
-              <a:t>23/05/2022</a:t>
+              <a:t>24/05/2022</a:t>
             </a:fld>
             <a:endParaRPr lang="en-GB"/>
           </a:p>
@@ -667,7 +675,7 @@
           <a:p>
             <a:fld id="{C58B7900-448D-4892-8253-2C7CAA4E2A3E}" type="datetimeFigureOut">
               <a:rPr lang="en-GB" smtClean="0"/>
-              <a:t>23/05/2022</a:t>
+              <a:t>24/05/2022</a:t>
             </a:fld>
             <a:endParaRPr lang="en-GB"/>
           </a:p>
@@ -867,7 +875,7 @@
           <a:p>
             <a:fld id="{C58B7900-448D-4892-8253-2C7CAA4E2A3E}" type="datetimeFigureOut">
               <a:rPr lang="en-GB" smtClean="0"/>
-              <a:t>23/05/2022</a:t>
+              <a:t>24/05/2022</a:t>
             </a:fld>
             <a:endParaRPr lang="en-GB"/>
           </a:p>
@@ -1143,7 +1151,7 @@
           <a:p>
             <a:fld id="{C58B7900-448D-4892-8253-2C7CAA4E2A3E}" type="datetimeFigureOut">
               <a:rPr lang="en-GB" smtClean="0"/>
-              <a:t>23/05/2022</a:t>
+              <a:t>24/05/2022</a:t>
             </a:fld>
             <a:endParaRPr lang="en-GB"/>
           </a:p>
@@ -1411,7 +1419,7 @@
           <a:p>
             <a:fld id="{C58B7900-448D-4892-8253-2C7CAA4E2A3E}" type="datetimeFigureOut">
               <a:rPr lang="en-GB" smtClean="0"/>
-              <a:t>23/05/2022</a:t>
+              <a:t>24/05/2022</a:t>
             </a:fld>
             <a:endParaRPr lang="en-GB"/>
           </a:p>
@@ -1826,7 +1834,7 @@
           <a:p>
             <a:fld id="{C58B7900-448D-4892-8253-2C7CAA4E2A3E}" type="datetimeFigureOut">
               <a:rPr lang="en-GB" smtClean="0"/>
-              <a:t>23/05/2022</a:t>
+              <a:t>24/05/2022</a:t>
             </a:fld>
             <a:endParaRPr lang="en-GB"/>
           </a:p>
@@ -1968,7 +1976,7 @@
           <a:p>
             <a:fld id="{C58B7900-448D-4892-8253-2C7CAA4E2A3E}" type="datetimeFigureOut">
               <a:rPr lang="en-GB" smtClean="0"/>
-              <a:t>23/05/2022</a:t>
+              <a:t>24/05/2022</a:t>
             </a:fld>
             <a:endParaRPr lang="en-GB"/>
           </a:p>
@@ -2081,7 +2089,7 @@
           <a:p>
             <a:fld id="{C58B7900-448D-4892-8253-2C7CAA4E2A3E}" type="datetimeFigureOut">
               <a:rPr lang="en-GB" smtClean="0"/>
-              <a:t>23/05/2022</a:t>
+              <a:t>24/05/2022</a:t>
             </a:fld>
             <a:endParaRPr lang="en-GB"/>
           </a:p>
@@ -2394,7 +2402,7 @@
           <a:p>
             <a:fld id="{C58B7900-448D-4892-8253-2C7CAA4E2A3E}" type="datetimeFigureOut">
               <a:rPr lang="en-GB" smtClean="0"/>
-              <a:t>23/05/2022</a:t>
+              <a:t>24/05/2022</a:t>
             </a:fld>
             <a:endParaRPr lang="en-GB"/>
           </a:p>
@@ -2683,7 +2691,7 @@
           <a:p>
             <a:fld id="{C58B7900-448D-4892-8253-2C7CAA4E2A3E}" type="datetimeFigureOut">
               <a:rPr lang="en-GB" smtClean="0"/>
-              <a:t>23/05/2022</a:t>
+              <a:t>24/05/2022</a:t>
             </a:fld>
             <a:endParaRPr lang="en-GB"/>
           </a:p>
@@ -2926,7 +2934,7 @@
           <a:p>
             <a:fld id="{C58B7900-448D-4892-8253-2C7CAA4E2A3E}" type="datetimeFigureOut">
               <a:rPr lang="en-GB" smtClean="0"/>
-              <a:t>23/05/2022</a:t>
+              <a:t>24/05/2022</a:t>
             </a:fld>
             <a:endParaRPr lang="en-GB"/>
           </a:p>
@@ -3478,10 +3486,192 @@
         </p:nvSpPr>
         <p:spPr/>
         <p:txBody>
-          <a:bodyPr/>
-          <a:lstStyle/>
-          <a:p>
-            <a:endParaRPr lang="en-GB"/>
+          <a:bodyPr>
+            <a:normAutofit fontScale="62500" lnSpcReduction="20000"/>
+          </a:bodyPr>
+          <a:lstStyle/>
+          <a:p>
+            <a:pPr marL="0" indent="0" algn="l">
+              <a:buNone/>
+            </a:pPr>
+            <a:r>
+              <a:rPr lang="cs-CZ" b="0" i="0" dirty="0">
+                <a:effectLst/>
+                <a:latin typeface="+mj-lt"/>
+              </a:rPr>
+              <a:t>Majitel prestižního autobazaru v Liberci tě požádal, aby si mu pomohl se simulací prodejů v jeho autobazaru. Musíš autobazar vytvořit a pojmenovat. Budeš pracovat se souborem aut, který je právě v autobazaru k dispozici a se souborem prodejců, kteří pro majitele pracují. Když v jakýkoliv den dojdou auta ze stavu, týden tímto končí.</a:t>
+            </a:r>
+          </a:p>
+          <a:p>
+            <a:pPr marL="0" indent="0" algn="l">
+              <a:buNone/>
+            </a:pPr>
+            <a:r>
+              <a:rPr lang="cs-CZ" b="0" i="0" dirty="0">
+                <a:effectLst/>
+                <a:latin typeface="+mj-lt"/>
+              </a:rPr>
+              <a:t>Program bude pracovat následovně</a:t>
+            </a:r>
+            <a:r>
+              <a:rPr lang="cs-CZ" dirty="0">
+                <a:latin typeface="+mj-lt"/>
+              </a:rPr>
+              <a:t>:</a:t>
+            </a:r>
+            <a:endParaRPr lang="cs-CZ" b="0" i="0" dirty="0">
+              <a:effectLst/>
+              <a:latin typeface="+mj-lt"/>
+            </a:endParaRPr>
+          </a:p>
+          <a:p>
+            <a:pPr lvl="1">
+              <a:buFont typeface="+mj-lt"/>
+              <a:buAutoNum type="arabicPeriod"/>
+            </a:pPr>
+            <a:r>
+              <a:rPr lang="cs-CZ" b="1" i="0" dirty="0">
+                <a:effectLst/>
+                <a:latin typeface="+mj-lt"/>
+              </a:rPr>
+              <a:t>ukázat seznam aut</a:t>
+            </a:r>
+          </a:p>
+          <a:p>
+            <a:pPr marL="1200150" lvl="2" indent="-285750">
+              <a:buFont typeface="+mj-lt"/>
+              <a:buAutoNum type="arabicPeriod"/>
+            </a:pPr>
+            <a:r>
+              <a:rPr lang="cs-CZ" b="1" i="0" dirty="0">
+                <a:effectLst/>
+                <a:latin typeface="+mj-lt"/>
+              </a:rPr>
+              <a:t>Zobrazit seřazený nebo originální seznam</a:t>
+            </a:r>
+          </a:p>
+          <a:p>
+            <a:pPr lvl="1">
+              <a:buFont typeface="+mj-lt"/>
+              <a:buAutoNum type="arabicPeriod"/>
+            </a:pPr>
+            <a:r>
+              <a:rPr lang="cs-CZ" b="1" i="0" dirty="0">
+                <a:effectLst/>
+                <a:latin typeface="+mj-lt"/>
+              </a:rPr>
+              <a:t>ukázat seřazený seznam prodejců se zkušenostmi</a:t>
+            </a:r>
+          </a:p>
+          <a:p>
+            <a:pPr lvl="1">
+              <a:buFont typeface="+mj-lt"/>
+              <a:buAutoNum type="arabicPeriod"/>
+            </a:pPr>
+            <a:r>
+              <a:rPr lang="cs-CZ" b="1" i="0" dirty="0">
+                <a:effectLst/>
+                <a:latin typeface="+mj-lt"/>
+              </a:rPr>
+              <a:t>zahaj prodej</a:t>
+            </a:r>
+          </a:p>
+          <a:p>
+            <a:pPr lvl="2"/>
+            <a:r>
+              <a:rPr lang="cs-CZ" b="1" i="0" dirty="0">
+                <a:effectLst/>
+                <a:latin typeface="+mj-lt"/>
+              </a:rPr>
+              <a:t>Kterého prodejce si chceš vybrat?</a:t>
+            </a:r>
+          </a:p>
+          <a:p>
+            <a:pPr lvl="3"/>
+            <a:r>
+              <a:rPr lang="cs-CZ" b="1" dirty="0">
+                <a:latin typeface="+mj-lt"/>
+              </a:rPr>
+              <a:t>(seznam prodejců)</a:t>
+            </a:r>
+            <a:r>
+              <a:rPr lang="cs-CZ" b="1" i="0" dirty="0">
+                <a:effectLst/>
+                <a:latin typeface="+mj-lt"/>
+              </a:rPr>
+              <a:t> -&gt; vybere prodejce</a:t>
+            </a:r>
+          </a:p>
+          <a:p>
+            <a:pPr lvl="2"/>
+            <a:r>
+              <a:rPr lang="cs-CZ" b="1" i="0" dirty="0">
+                <a:effectLst/>
+                <a:latin typeface="+mj-lt"/>
+              </a:rPr>
+              <a:t>Na základně zkušeností prodejce se auto prodalo za cenu x.</a:t>
+            </a:r>
+          </a:p>
+          <a:p>
+            <a:pPr lvl="2"/>
+            <a:r>
+              <a:rPr lang="cs-CZ" b="1" i="0" dirty="0">
+                <a:effectLst/>
+                <a:latin typeface="+mj-lt"/>
+              </a:rPr>
+              <a:t>Připsání peněž na účet prodejce a autobazaru.</a:t>
+            </a:r>
+          </a:p>
+          <a:p>
+            <a:pPr lvl="1">
+              <a:buFont typeface="+mj-lt"/>
+              <a:buAutoNum type="arabicPeriod"/>
+            </a:pPr>
+            <a:r>
+              <a:rPr lang="cs-CZ" b="1" i="0" dirty="0">
+                <a:effectLst/>
+                <a:latin typeface="+mj-lt"/>
+              </a:rPr>
+              <a:t>ukončit</a:t>
+            </a:r>
+          </a:p>
+          <a:p>
+            <a:pPr marL="0" indent="0" algn="l">
+              <a:buNone/>
+            </a:pPr>
+            <a:r>
+              <a:rPr lang="cs-CZ" b="0" i="0" dirty="0">
+                <a:effectLst/>
+                <a:latin typeface="+mj-lt"/>
+              </a:rPr>
+              <a:t>Bude možnost vybírat ze souborů .</a:t>
+            </a:r>
+            <a:r>
+              <a:rPr lang="cs-CZ" b="0" i="0" dirty="0" err="1">
+                <a:effectLst/>
+                <a:latin typeface="+mj-lt"/>
+              </a:rPr>
+              <a:t>csv</a:t>
+            </a:r>
+            <a:r>
+              <a:rPr lang="cs-CZ" b="0" i="0" dirty="0">
+                <a:effectLst/>
+                <a:latin typeface="+mj-lt"/>
+              </a:rPr>
+              <a:t>, ve kterém budou údaje o autech (značka, model, objem motoru, kW, kilometry, rok výroby, palivo, barva, cena) a o prodejcích(jméno, příjmení, věk, zkušenosti).</a:t>
+            </a:r>
+          </a:p>
+          <a:p>
+            <a:pPr marL="0" indent="0" algn="l">
+              <a:buNone/>
+            </a:pPr>
+            <a:r>
+              <a:rPr lang="cs-CZ" b="0" i="0" dirty="0">
+                <a:effectLst/>
+                <a:latin typeface="+mj-lt"/>
+              </a:rPr>
+              <a:t>Po ukončení týdne se do terminálu a do souboru vypíše týdenní výsledková listina, na které bude částka za všechna prodaná auta, seznam všech prodejců s jejich atributy a provizemi. Na konci bude celkový výsledek hospodaření celého podniku. Program se ukončí.</a:t>
+            </a:r>
           </a:p>
         </p:txBody>
       </p:sp>
@@ -3489,6 +3679,283 @@
     <p:extLst>
       <p:ext uri="{BB962C8B-B14F-4D97-AF65-F5344CB8AC3E}">
         <p14:creationId xmlns:p14="http://schemas.microsoft.com/office/powerpoint/2010/main" val="758132580"/>
+      </p:ext>
+    </p:extLst>
+  </p:cSld>
+  <p:clrMapOvr>
+    <a:masterClrMapping/>
+  </p:clrMapOvr>
+</p:sld>
+</file>
+
+<file path=ppt/slides/slide3.xml><?xml version="1.0" encoding="utf-8"?>
+<p:sld xmlns:a="http://schemas.openxmlformats.org/drawingml/2006/main" xmlns:r="http://schemas.openxmlformats.org/officeDocument/2006/relationships" xmlns:p="http://schemas.openxmlformats.org/presentationml/2006/main">
+  <p:cSld>
+    <p:spTree>
+      <p:nvGrpSpPr>
+        <p:cNvPr id="1" name=""/>
+        <p:cNvGrpSpPr/>
+        <p:nvPr/>
+      </p:nvGrpSpPr>
+      <p:grpSpPr>
+        <a:xfrm>
+          <a:off x="0" y="0"/>
+          <a:ext cx="0" cy="0"/>
+          <a:chOff x="0" y="0"/>
+          <a:chExt cx="0" cy="0"/>
+        </a:xfrm>
+      </p:grpSpPr>
+      <p:sp>
+        <p:nvSpPr>
+          <p:cNvPr id="2" name="Nadpis 1">
+            <a:extLst>
+              <a:ext uri="{FF2B5EF4-FFF2-40B4-BE49-F238E27FC236}">
+                <a16:creationId xmlns:a16="http://schemas.microsoft.com/office/drawing/2014/main" id="{5384A788-28B3-4313-92CA-FA180147829D}"/>
+              </a:ext>
+            </a:extLst>
+          </p:cNvPr>
+          <p:cNvSpPr>
+            <a:spLocks noGrp="1"/>
+          </p:cNvSpPr>
+          <p:nvPr>
+            <p:ph type="title"/>
+          </p:nvPr>
+        </p:nvSpPr>
+        <p:spPr/>
+        <p:txBody>
+          <a:bodyPr/>
+          <a:lstStyle/>
+          <a:p>
+            <a:r>
+              <a:rPr lang="cs-CZ" dirty="0"/>
+              <a:t>Class diagram</a:t>
+            </a:r>
+            <a:endParaRPr lang="en-GB" dirty="0"/>
+          </a:p>
+        </p:txBody>
+      </p:sp>
+      <p:pic>
+        <p:nvPicPr>
+          <p:cNvPr id="5" name="Zástupný obsah 4">
+            <a:extLst>
+              <a:ext uri="{FF2B5EF4-FFF2-40B4-BE49-F238E27FC236}">
+                <a16:creationId xmlns:a16="http://schemas.microsoft.com/office/drawing/2014/main" id="{15C6C2DE-2CA5-401D-90D8-87553C33ED8C}"/>
+              </a:ext>
+            </a:extLst>
+          </p:cNvPr>
+          <p:cNvPicPr>
+            <a:picLocks noGrp="1" noChangeAspect="1"/>
+          </p:cNvPicPr>
+          <p:nvPr>
+            <p:ph idx="1"/>
+          </p:nvPr>
+        </p:nvPicPr>
+        <p:blipFill>
+          <a:blip r:embed="rId2">
+            <a:extLst>
+              <a:ext uri="{28A0092B-C50C-407E-A947-70E740481C1C}">
+                <a14:useLocalDpi xmlns:a14="http://schemas.microsoft.com/office/drawing/2010/main" val="0"/>
+              </a:ext>
+            </a:extLst>
+          </a:blip>
+          <a:stretch>
+            <a:fillRect/>
+          </a:stretch>
+        </p:blipFill>
+        <p:spPr>
+          <a:xfrm>
+            <a:off x="2554104" y="1825625"/>
+            <a:ext cx="7083791" cy="4351338"/>
+          </a:xfrm>
+        </p:spPr>
+      </p:pic>
+    </p:spTree>
+    <p:extLst>
+      <p:ext uri="{BB962C8B-B14F-4D97-AF65-F5344CB8AC3E}">
+        <p14:creationId xmlns:p14="http://schemas.microsoft.com/office/powerpoint/2010/main" val="1542855879"/>
+      </p:ext>
+    </p:extLst>
+  </p:cSld>
+  <p:clrMapOvr>
+    <a:masterClrMapping/>
+  </p:clrMapOvr>
+</p:sld>
+</file>
+
+<file path=ppt/slides/slide4.xml><?xml version="1.0" encoding="utf-8"?>
+<p:sld xmlns:a="http://schemas.openxmlformats.org/drawingml/2006/main" xmlns:r="http://schemas.openxmlformats.org/officeDocument/2006/relationships" xmlns:p="http://schemas.openxmlformats.org/presentationml/2006/main">
+  <p:cSld>
+    <p:spTree>
+      <p:nvGrpSpPr>
+        <p:cNvPr id="1" name=""/>
+        <p:cNvGrpSpPr/>
+        <p:nvPr/>
+      </p:nvGrpSpPr>
+      <p:grpSpPr>
+        <a:xfrm>
+          <a:off x="0" y="0"/>
+          <a:ext cx="0" cy="0"/>
+          <a:chOff x="0" y="0"/>
+          <a:chExt cx="0" cy="0"/>
+        </a:xfrm>
+      </p:grpSpPr>
+      <p:sp>
+        <p:nvSpPr>
+          <p:cNvPr id="2" name="Nadpis 1">
+            <a:extLst>
+              <a:ext uri="{FF2B5EF4-FFF2-40B4-BE49-F238E27FC236}">
+                <a16:creationId xmlns:a16="http://schemas.microsoft.com/office/drawing/2014/main" id="{7F1A7CBD-28A8-4A30-BD6D-7392D8C0DE91}"/>
+              </a:ext>
+            </a:extLst>
+          </p:cNvPr>
+          <p:cNvSpPr>
+            <a:spLocks noGrp="1"/>
+          </p:cNvSpPr>
+          <p:nvPr>
+            <p:ph type="title"/>
+          </p:nvPr>
+        </p:nvSpPr>
+        <p:spPr/>
+        <p:txBody>
+          <a:bodyPr/>
+          <a:lstStyle/>
+          <a:p>
+            <a:r>
+              <a:rPr lang="cs-CZ" dirty="0"/>
+              <a:t>Externí knihovna</a:t>
+            </a:r>
+            <a:endParaRPr lang="en-GB" dirty="0"/>
+          </a:p>
+        </p:txBody>
+      </p:sp>
+      <p:sp>
+        <p:nvSpPr>
+          <p:cNvPr id="3" name="Zástupný obsah 2">
+            <a:extLst>
+              <a:ext uri="{FF2B5EF4-FFF2-40B4-BE49-F238E27FC236}">
+                <a16:creationId xmlns:a16="http://schemas.microsoft.com/office/drawing/2014/main" id="{6018F8C1-4755-4355-A57E-35F6639CB095}"/>
+              </a:ext>
+            </a:extLst>
+          </p:cNvPr>
+          <p:cNvSpPr>
+            <a:spLocks noGrp="1"/>
+          </p:cNvSpPr>
+          <p:nvPr>
+            <p:ph idx="1"/>
+          </p:nvPr>
+        </p:nvSpPr>
+        <p:spPr/>
+        <p:txBody>
+          <a:bodyPr/>
+          <a:lstStyle/>
+          <a:p>
+            <a:r>
+              <a:rPr lang="cs-CZ" dirty="0" err="1"/>
+              <a:t>iText</a:t>
+            </a:r>
+            <a:r>
+              <a:rPr lang="cs-CZ" dirty="0"/>
+              <a:t> PDF 7</a:t>
+            </a:r>
+          </a:p>
+          <a:p>
+            <a:r>
+              <a:rPr lang="cs-CZ" dirty="0" err="1"/>
+              <a:t>Maven</a:t>
+            </a:r>
+            <a:r>
+              <a:rPr lang="cs-CZ" dirty="0"/>
+              <a:t>!</a:t>
+            </a:r>
+          </a:p>
+          <a:p>
+            <a:r>
+              <a:rPr lang="cs-CZ" dirty="0"/>
+              <a:t>vytvoření </a:t>
+            </a:r>
+            <a:r>
+              <a:rPr lang="cs-CZ" dirty="0" err="1"/>
+              <a:t>depencencies</a:t>
+            </a:r>
+            <a:r>
+              <a:rPr lang="cs-CZ" dirty="0"/>
+              <a:t>!</a:t>
+            </a:r>
+            <a:endParaRPr lang="en-GB" dirty="0"/>
+          </a:p>
+        </p:txBody>
+      </p:sp>
+    </p:spTree>
+    <p:extLst>
+      <p:ext uri="{BB962C8B-B14F-4D97-AF65-F5344CB8AC3E}">
+        <p14:creationId xmlns:p14="http://schemas.microsoft.com/office/powerpoint/2010/main" val="279849900"/>
+      </p:ext>
+    </p:extLst>
+  </p:cSld>
+  <p:clrMapOvr>
+    <a:masterClrMapping/>
+  </p:clrMapOvr>
+</p:sld>
+</file>
+
+<file path=ppt/slides/slide5.xml><?xml version="1.0" encoding="utf-8"?>
+<p:sld xmlns:a="http://schemas.openxmlformats.org/drawingml/2006/main" xmlns:r="http://schemas.openxmlformats.org/officeDocument/2006/relationships" xmlns:p="http://schemas.openxmlformats.org/presentationml/2006/main">
+  <p:cSld>
+    <p:bg>
+      <p:bgPr>
+        <a:solidFill>
+          <a:srgbClr val="1E1E1E"/>
+        </a:solidFill>
+        <a:effectLst/>
+      </p:bgPr>
+    </p:bg>
+    <p:spTree>
+      <p:nvGrpSpPr>
+        <p:cNvPr id="1" name=""/>
+        <p:cNvGrpSpPr/>
+        <p:nvPr/>
+      </p:nvGrpSpPr>
+      <p:grpSpPr>
+        <a:xfrm>
+          <a:off x="0" y="0"/>
+          <a:ext cx="0" cy="0"/>
+          <a:chOff x="0" y="0"/>
+          <a:chExt cx="0" cy="0"/>
+        </a:xfrm>
+      </p:grpSpPr>
+      <p:pic>
+        <p:nvPicPr>
+          <p:cNvPr id="5" name="Zástupný obsah 4">
+            <a:extLst>
+              <a:ext uri="{FF2B5EF4-FFF2-40B4-BE49-F238E27FC236}">
+                <a16:creationId xmlns:a16="http://schemas.microsoft.com/office/drawing/2014/main" id="{3AFEE45F-0C9D-4A49-B994-C2262E8A1E34}"/>
+              </a:ext>
+            </a:extLst>
+          </p:cNvPr>
+          <p:cNvPicPr>
+            <a:picLocks noGrp="1" noChangeAspect="1"/>
+          </p:cNvPicPr>
+          <p:nvPr>
+            <p:ph idx="1"/>
+          </p:nvPr>
+        </p:nvPicPr>
+        <p:blipFill>
+          <a:blip r:embed="rId2"/>
+          <a:stretch>
+            <a:fillRect/>
+          </a:stretch>
+        </p:blipFill>
+        <p:spPr>
+          <a:xfrm>
+            <a:off x="1967636" y="0"/>
+            <a:ext cx="8256727" cy="6858000"/>
+          </a:xfrm>
+        </p:spPr>
+      </p:pic>
+    </p:spTree>
+    <p:extLst>
+      <p:ext uri="{BB962C8B-B14F-4D97-AF65-F5344CB8AC3E}">
+        <p14:creationId xmlns:p14="http://schemas.microsoft.com/office/powerpoint/2010/main" val="1079559133"/>
       </p:ext>
     </p:extLst>
   </p:cSld>

--- a/stuff/Autobazar-SemestralProject.pptx
+++ b/stuff/Autobazar-SemestralProject.pptx
@@ -265,7 +265,7 @@
           <a:p>
             <a:fld id="{C58B7900-448D-4892-8253-2C7CAA4E2A3E}" type="datetimeFigureOut">
               <a:rPr lang="en-GB" smtClean="0"/>
-              <a:t>24/05/2022</a:t>
+              <a:t>25/05/2022</a:t>
             </a:fld>
             <a:endParaRPr lang="en-GB"/>
           </a:p>
@@ -465,7 +465,7 @@
           <a:p>
             <a:fld id="{C58B7900-448D-4892-8253-2C7CAA4E2A3E}" type="datetimeFigureOut">
               <a:rPr lang="en-GB" smtClean="0"/>
-              <a:t>24/05/2022</a:t>
+              <a:t>25/05/2022</a:t>
             </a:fld>
             <a:endParaRPr lang="en-GB"/>
           </a:p>
@@ -675,7 +675,7 @@
           <a:p>
             <a:fld id="{C58B7900-448D-4892-8253-2C7CAA4E2A3E}" type="datetimeFigureOut">
               <a:rPr lang="en-GB" smtClean="0"/>
-              <a:t>24/05/2022</a:t>
+              <a:t>25/05/2022</a:t>
             </a:fld>
             <a:endParaRPr lang="en-GB"/>
           </a:p>
@@ -875,7 +875,7 @@
           <a:p>
             <a:fld id="{C58B7900-448D-4892-8253-2C7CAA4E2A3E}" type="datetimeFigureOut">
               <a:rPr lang="en-GB" smtClean="0"/>
-              <a:t>24/05/2022</a:t>
+              <a:t>25/05/2022</a:t>
             </a:fld>
             <a:endParaRPr lang="en-GB"/>
           </a:p>
@@ -1151,7 +1151,7 @@
           <a:p>
             <a:fld id="{C58B7900-448D-4892-8253-2C7CAA4E2A3E}" type="datetimeFigureOut">
               <a:rPr lang="en-GB" smtClean="0"/>
-              <a:t>24/05/2022</a:t>
+              <a:t>25/05/2022</a:t>
             </a:fld>
             <a:endParaRPr lang="en-GB"/>
           </a:p>
@@ -1419,7 +1419,7 @@
           <a:p>
             <a:fld id="{C58B7900-448D-4892-8253-2C7CAA4E2A3E}" type="datetimeFigureOut">
               <a:rPr lang="en-GB" smtClean="0"/>
-              <a:t>24/05/2022</a:t>
+              <a:t>25/05/2022</a:t>
             </a:fld>
             <a:endParaRPr lang="en-GB"/>
           </a:p>
@@ -1834,7 +1834,7 @@
           <a:p>
             <a:fld id="{C58B7900-448D-4892-8253-2C7CAA4E2A3E}" type="datetimeFigureOut">
               <a:rPr lang="en-GB" smtClean="0"/>
-              <a:t>24/05/2022</a:t>
+              <a:t>25/05/2022</a:t>
             </a:fld>
             <a:endParaRPr lang="en-GB"/>
           </a:p>
@@ -1976,7 +1976,7 @@
           <a:p>
             <a:fld id="{C58B7900-448D-4892-8253-2C7CAA4E2A3E}" type="datetimeFigureOut">
               <a:rPr lang="en-GB" smtClean="0"/>
-              <a:t>24/05/2022</a:t>
+              <a:t>25/05/2022</a:t>
             </a:fld>
             <a:endParaRPr lang="en-GB"/>
           </a:p>
@@ -2089,7 +2089,7 @@
           <a:p>
             <a:fld id="{C58B7900-448D-4892-8253-2C7CAA4E2A3E}" type="datetimeFigureOut">
               <a:rPr lang="en-GB" smtClean="0"/>
-              <a:t>24/05/2022</a:t>
+              <a:t>25/05/2022</a:t>
             </a:fld>
             <a:endParaRPr lang="en-GB"/>
           </a:p>
@@ -2402,7 +2402,7 @@
           <a:p>
             <a:fld id="{C58B7900-448D-4892-8253-2C7CAA4E2A3E}" type="datetimeFigureOut">
               <a:rPr lang="en-GB" smtClean="0"/>
-              <a:t>24/05/2022</a:t>
+              <a:t>25/05/2022</a:t>
             </a:fld>
             <a:endParaRPr lang="en-GB"/>
           </a:p>
@@ -2691,7 +2691,7 @@
           <a:p>
             <a:fld id="{C58B7900-448D-4892-8253-2C7CAA4E2A3E}" type="datetimeFigureOut">
               <a:rPr lang="en-GB" smtClean="0"/>
-              <a:t>24/05/2022</a:t>
+              <a:t>25/05/2022</a:t>
             </a:fld>
             <a:endParaRPr lang="en-GB"/>
           </a:p>
@@ -2934,7 +2934,7 @@
           <a:p>
             <a:fld id="{C58B7900-448D-4892-8253-2C7CAA4E2A3E}" type="datetimeFigureOut">
               <a:rPr lang="en-GB" smtClean="0"/>
-              <a:t>24/05/2022</a:t>
+              <a:t>25/05/2022</a:t>
             </a:fld>
             <a:endParaRPr lang="en-GB"/>
           </a:p>
@@ -3484,7 +3484,12 @@
             <p:ph idx="1"/>
           </p:nvPr>
         </p:nvSpPr>
-        <p:spPr/>
+        <p:spPr>
+          <a:xfrm>
+            <a:off x="838200" y="1988598"/>
+            <a:ext cx="10515600" cy="4188365"/>
+          </a:xfrm>
+        </p:spPr>
         <p:txBody>
           <a:bodyPr>
             <a:normAutofit fontScale="62500" lnSpcReduction="20000"/>
